--- a/Research/2023-12-Track-4-Homogenization-Mechanical-Params.pptx
+++ b/Research/2023-12-Track-4-Homogenization-Mechanical-Params.pptx
@@ -2069,8 +2069,8 @@
           <a:chExt cx="0" cy="0"/>
         </a:xfrm>
       </p:grpSpPr>
-      <mc:AlternateContent xmlns:mc="http://schemas.openxmlformats.org/markup-compatibility/2006">
-        <mc:Choice xmlns:a14="http://schemas.microsoft.com/office/drawing/2010/main" Requires="a14">
+      <mc:AlternateContent xmlns:mc="http://schemas.openxmlformats.org/markup-compatibility/2006" xmlns:a14="http://schemas.microsoft.com/office/drawing/2010/main">
+        <mc:Choice Requires="a14">
           <p:sp>
             <p:nvSpPr>
               <p:cNvPr id="2" name="Text Placeholder 1">
@@ -2180,7 +2180,7 @@
             </p:txBody>
           </p:sp>
         </mc:Choice>
-        <mc:Fallback>
+        <mc:Fallback xmlns="">
           <p:sp>
             <p:nvSpPr>
               <p:cNvPr id="2" name="Text Placeholder 1">
@@ -3456,145 +3456,215 @@
           </a:xfrm>
         </p:spPr>
         <p:txBody>
-          <a:bodyPr/>
+          <a:bodyPr>
+            <a:noAutofit/>
+          </a:bodyPr>
           <a:lstStyle/>
           <a:p>
-            <a:r>
-              <a:rPr lang="en-US" dirty="0"/>
+            <a:pPr>
+              <a:spcBef>
+                <a:spcPts val="0"/>
+              </a:spcBef>
+            </a:pPr>
+            <a:r>
+              <a:rPr lang="en-US" sz="1100" dirty="0"/>
               <a:t>The buildup of the elastic fracture stiffness...</a:t>
             </a:r>
           </a:p>
           <a:p>
-            <a:r>
-              <a:rPr lang="en-US" dirty="0"/>
+            <a:pPr>
+              <a:spcBef>
+                <a:spcPts val="0"/>
+              </a:spcBef>
+            </a:pPr>
+            <a:r>
+              <a:rPr lang="en-US" sz="1100" dirty="0"/>
               <a:t>Goodman 1968 - mechanics of joints</a:t>
             </a:r>
           </a:p>
           <a:p>
             <a:pPr lvl="1"/>
             <a:r>
-              <a:rPr lang="en-US" dirty="0"/>
+              <a:rPr lang="en-US" sz="1050" dirty="0"/>
               <a:t>Developed the "joint element" (as said by Oda)</a:t>
             </a:r>
           </a:p>
           <a:p>
-            <a:r>
-              <a:rPr lang="en-US" dirty="0" err="1"/>
+            <a:pPr>
+              <a:spcBef>
+                <a:spcPts val="0"/>
+              </a:spcBef>
+            </a:pPr>
+            <a:r>
+              <a:rPr lang="en-US" sz="1100" dirty="0" err="1"/>
               <a:t>Barton&amp;Bandis</a:t>
             </a:r>
             <a:r>
-              <a:rPr lang="en-US" dirty="0"/>
+              <a:rPr lang="en-US" sz="1100" dirty="0"/>
               <a:t> 1977-1983 - non linear mechanical behavior, loading, unloading, scale effects ...</a:t>
             </a:r>
           </a:p>
           <a:p>
             <a:pPr lvl="1"/>
             <a:r>
-              <a:rPr lang="en-US" dirty="0"/>
+              <a:rPr lang="en-US" sz="1050" dirty="0"/>
               <a:t>Aperture: maximum gap across the mated walls</a:t>
             </a:r>
           </a:p>
           <a:p>
             <a:pPr lvl="1"/>
             <a:r>
-              <a:rPr lang="en-US" dirty="0"/>
+              <a:rPr lang="en-US" sz="1050" dirty="0"/>
               <a:t>Nonlinear behavior is related to normally compressed joints (Snow, 1972)</a:t>
             </a:r>
           </a:p>
           <a:p>
             <a:pPr lvl="1"/>
             <a:r>
-              <a:rPr lang="en-US" dirty="0"/>
+              <a:rPr lang="en-US" sz="1050" dirty="0"/>
               <a:t>Many studies are conduced with artificially generated joints, insufficient!</a:t>
             </a:r>
           </a:p>
           <a:p>
             <a:pPr lvl="1"/>
             <a:r>
-              <a:rPr lang="en-US" dirty="0"/>
+              <a:rPr lang="en-US" sz="1050" dirty="0"/>
               <a:t>Under enough compressibility, joints cease to contribute to bulk compressibility</a:t>
             </a:r>
           </a:p>
           <a:p>
-            <a:r>
-              <a:rPr lang="en-US" dirty="0"/>
-              <a:t>Oda 1986 - the spring model</a:t>
-            </a:r>
+            <a:pPr>
+              <a:spcBef>
+                <a:spcPts val="0"/>
+              </a:spcBef>
+            </a:pPr>
+            <a:r>
+              <a:rPr lang="en-US" sz="1100" dirty="0"/>
+              <a:t>Oda 1986 - the spring model (an </a:t>
+            </a:r>
+            <a:r>
+              <a:rPr lang="en-US" sz="1100"/>
+              <a:t>equivalent continuum model for ...)</a:t>
+            </a:r>
+            <a:endParaRPr lang="en-US" sz="1100" dirty="0"/>
           </a:p>
           <a:p>
             <a:pPr lvl="1"/>
             <a:r>
-              <a:rPr lang="en-US" dirty="0"/>
+              <a:rPr lang="en-US" sz="1050" dirty="0"/>
               <a:t>The interaction between the fractures is important</a:t>
             </a:r>
           </a:p>
           <a:p>
-            <a:r>
-              <a:rPr lang="en-US" dirty="0"/>
+            <a:pPr>
+              <a:spcBef>
+                <a:spcPts val="0"/>
+              </a:spcBef>
+            </a:pPr>
+            <a:r>
+              <a:rPr lang="en-US" sz="1100" dirty="0"/>
+              <a:t>The spring model</a:t>
+            </a:r>
+          </a:p>
+          <a:p>
+            <a:pPr lvl="1"/>
+            <a:r>
+              <a:rPr lang="en-US" sz="1050" dirty="0"/>
+              <a:t>Cundall PA (1971) A computer model for simulating progressive large scale movements in blocky rock systems. In: Proceedings of the international symposium on rock fracture, Nancy, October 1971. International Society for Rock Mechanics (ISRM), vol 1, paper no. II–8, pp 129–136</a:t>
+            </a:r>
+          </a:p>
+          <a:p>
+            <a:pPr>
+              <a:spcBef>
+                <a:spcPts val="0"/>
+              </a:spcBef>
+            </a:pPr>
+            <a:r>
+              <a:rPr lang="en-US" sz="1150" dirty="0" err="1"/>
+              <a:t>Kachanov</a:t>
+            </a:r>
+            <a:r>
+              <a:rPr lang="en-US" sz="1150" dirty="0"/>
+              <a:t>, 1993 - Elastic solids with many cracks and related problems</a:t>
+            </a:r>
+          </a:p>
+          <a:p>
+            <a:pPr lvl="1"/>
+            <a:r>
+              <a:rPr lang="en-US" sz="1050" dirty="0"/>
+              <a:t>Review of many aspects in cracked solids</a:t>
+            </a:r>
+          </a:p>
+          <a:p>
+            <a:pPr>
+              <a:spcBef>
+                <a:spcPts val="0"/>
+              </a:spcBef>
+            </a:pPr>
+            <a:r>
+              <a:rPr lang="en-US" sz="1100" dirty="0"/>
               <a:t>Jaeger &amp; Cook (book) 2007 - chap 10.4</a:t>
             </a:r>
           </a:p>
           <a:p>
             <a:pPr lvl="1"/>
             <a:r>
-              <a:rPr lang="en-US" dirty="0"/>
+              <a:rPr lang="en-US" sz="1050" dirty="0"/>
               <a:t>Cracks does not have significant porosity, but contributes to mechanical properties</a:t>
             </a:r>
           </a:p>
           <a:p>
-            <a:r>
-              <a:rPr lang="en-US" dirty="0"/>
+            <a:pPr>
+              <a:spcBef>
+                <a:spcPts val="0"/>
+              </a:spcBef>
+            </a:pPr>
+            <a:r>
+              <a:rPr lang="en-US" sz="1100" dirty="0"/>
               <a:t>Simone 2023</a:t>
             </a:r>
           </a:p>
           <a:p>
             <a:pPr lvl="1"/>
             <a:r>
-              <a:rPr lang="en-US" dirty="0"/>
+              <a:rPr lang="en-US" sz="1050" dirty="0"/>
               <a:t>Analytical solution does not consider interaction</a:t>
             </a:r>
           </a:p>
           <a:p>
             <a:pPr lvl="1"/>
             <a:r>
-              <a:rPr lang="en-US" dirty="0"/>
+              <a:rPr lang="en-US" sz="1050" dirty="0"/>
               <a:t>Previous work on analytical solutions: Walsh (1965-1966), Jaeger and Cook (book) </a:t>
             </a:r>
             <a:r>
-              <a:rPr lang="en-US" dirty="0" err="1"/>
+              <a:rPr lang="en-US" sz="1050" dirty="0" err="1"/>
               <a:t>etc</a:t>
             </a:r>
-            <a:endParaRPr lang="en-US" dirty="0"/>
+            <a:endParaRPr lang="en-US" sz="1050" dirty="0"/>
           </a:p>
           <a:p>
             <a:pPr lvl="1"/>
             <a:r>
-              <a:rPr lang="en-US" dirty="0"/>
+              <a:rPr lang="en-US" sz="1050" dirty="0"/>
               <a:t>It seems that </a:t>
             </a:r>
             <a:r>
-              <a:rPr lang="en-US" dirty="0" err="1"/>
+              <a:rPr lang="en-US" sz="1050" dirty="0" err="1"/>
               <a:t>Biot</a:t>
             </a:r>
             <a:r>
-              <a:rPr lang="en-US" dirty="0"/>
+              <a:rPr lang="en-US" sz="1050" dirty="0"/>
               <a:t> and </a:t>
             </a:r>
             <a:r>
-              <a:rPr lang="en-US" dirty="0" err="1"/>
+              <a:rPr lang="en-US" sz="1050" dirty="0" err="1"/>
               <a:t>Skempton</a:t>
             </a:r>
             <a:r>
-              <a:rPr lang="en-US" dirty="0"/>
+              <a:rPr lang="en-US" sz="1050" dirty="0"/>
               <a:t> are not often analyzed (???)</a:t>
             </a:r>
-          </a:p>
-          <a:p>
-            <a:endParaRPr lang="en-US" dirty="0"/>
-          </a:p>
-          <a:p>
-            <a:pPr lvl="1"/>
-            <a:endParaRPr lang="en-US" dirty="0"/>
           </a:p>
         </p:txBody>
       </p:sp>
